--- a/測定とデータの扱い方_2.pptx
+++ b/測定とデータの扱い方_2.pptx
@@ -4584,7 +4584,7 @@
           <a:graphicData uri="http://schemas.openxmlformats.org/presentationml/2006/ole">
             <mc:AlternateContent xmlns:mc="http://schemas.openxmlformats.org/markup-compatibility/2006">
               <mc:Choice xmlns:v="urn:schemas-microsoft-com:vml" Requires="v">
-                <p:oleObj spid="_x0000_s1041" name="Equation" r:id="rId3" imgW="1054100" imgH="203200" progId="Equation.DSMT4">
+                <p:oleObj spid="_x0000_s1043" name="Equation" r:id="rId3" imgW="1054100" imgH="203200" progId="Equation.DSMT4">
                   <p:embed/>
                 </p:oleObj>
               </mc:Choice>
@@ -4825,21 +4825,7 @@
                 <a:latin typeface="Euclid"/>
                 <a:cs typeface="Euclid"/>
               </a:rPr>
-              <a:t>とおく．この</a:t>
-            </a:r>
-            <a:r>
-              <a:rPr kumimoji="1" lang="ja-JP" altLang="en-US" dirty="0" smtClean="0">
-                <a:latin typeface="Euclid"/>
-                <a:cs typeface="Euclid"/>
-              </a:rPr>
-              <a:t>差</a:t>
-            </a:r>
-            <a:r>
-              <a:rPr kumimoji="1" lang="ja-JP" altLang="en-US" dirty="0" smtClean="0">
-                <a:latin typeface="Euclid"/>
-                <a:cs typeface="Euclid"/>
-              </a:rPr>
-              <a:t>の二乗和</a:t>
+              <a:t>とおく．この差の二乗和</a:t>
             </a:r>
             <a:r>
               <a:rPr kumimoji="1" lang="en-US" altLang="ja-JP" dirty="0" smtClean="0">
@@ -4961,14 +4947,7 @@
                 <a:latin typeface="Euclid"/>
                 <a:cs typeface="Euclid"/>
               </a:rPr>
-              <a:t>、</a:t>
-            </a:r>
-            <a:r>
-              <a:rPr kumimoji="1" lang="ja-JP" altLang="en-US" dirty="0" smtClean="0">
-                <a:latin typeface="Euclid"/>
-                <a:cs typeface="Euclid"/>
-              </a:rPr>
-              <a:t>各</a:t>
+              <a:t>、各</a:t>
             </a:r>
             <a:r>
               <a:rPr kumimoji="1" lang="en-US" altLang="ja-JP" dirty="0" smtClean="0">
@@ -5055,7 +5034,7 @@
           <a:graphicData uri="http://schemas.openxmlformats.org/presentationml/2006/ole">
             <mc:AlternateContent xmlns:mc="http://schemas.openxmlformats.org/markup-compatibility/2006">
               <mc:Choice xmlns:v="urn:schemas-microsoft-com:vml" Requires="v">
-                <p:oleObj spid="_x0000_s8213" name="Equation" r:id="rId3" imgW="1270000" imgH="736600" progId="Equation.DSMT4">
+                <p:oleObj spid="_x0000_s8216" name="Equation" r:id="rId3" imgW="1270000" imgH="736600" progId="Equation.DSMT4">
                   <p:embed/>
                 </p:oleObj>
               </mc:Choice>
@@ -5150,7 +5129,7 @@
           <a:graphicData uri="http://schemas.openxmlformats.org/presentationml/2006/ole">
             <mc:AlternateContent xmlns:mc="http://schemas.openxmlformats.org/markup-compatibility/2006">
               <mc:Choice xmlns:v="urn:schemas-microsoft-com:vml" Requires="v">
-                <p:oleObj spid="_x0000_s8214" name="Equation" r:id="rId5" imgW="381000" imgH="495300" progId="Equation.DSMT4">
+                <p:oleObj spid="_x0000_s8217" name="Equation" r:id="rId5" imgW="381000" imgH="495300" progId="Equation.DSMT4">
                   <p:embed/>
                 </p:oleObj>
               </mc:Choice>
@@ -5274,15 +5253,7 @@
             </a:r>
             <a:r>
               <a:rPr lang="ja-JP" altLang="en-US" dirty="0" smtClean="0"/>
-              <a:t>導出</a:t>
-            </a:r>
-            <a:r>
-              <a:rPr lang="ja-JP" altLang="en-US" dirty="0" smtClean="0"/>
-              <a:t>その２</a:t>
-            </a:r>
-            <a:r>
-              <a:rPr lang="ja-JP" altLang="en-US" dirty="0" smtClean="0"/>
-              <a:t>）</a:t>
+              <a:t>導出その２）</a:t>
             </a:r>
             <a:endParaRPr kumimoji="1" lang="ja-JP" altLang="en-US" dirty="0"/>
           </a:p>
@@ -5406,21 +5377,7 @@
                 <a:latin typeface="Euclid"/>
                 <a:cs typeface="Euclid"/>
               </a:rPr>
-              <a:t>なる</a:t>
-            </a:r>
-            <a:r>
-              <a:rPr lang="ja-JP" altLang="en-US" dirty="0" smtClean="0">
-                <a:latin typeface="Euclid"/>
-                <a:cs typeface="Euclid"/>
-              </a:rPr>
-              <a:t>と</a:t>
-            </a:r>
-            <a:r>
-              <a:rPr lang="ja-JP" altLang="en-US" dirty="0" smtClean="0">
-                <a:latin typeface="Euclid"/>
-                <a:cs typeface="Euclid"/>
-              </a:rPr>
-              <a:t>考え</a:t>
+              <a:t>なると考え</a:t>
             </a:r>
             <a:r>
               <a:rPr lang="en-US" altLang="ja-JP" dirty="0" smtClean="0">
@@ -5522,7 +5479,7 @@
           <a:graphicData uri="http://schemas.openxmlformats.org/presentationml/2006/ole">
             <mc:AlternateContent xmlns:mc="http://schemas.openxmlformats.org/markup-compatibility/2006">
               <mc:Choice xmlns:v="urn:schemas-microsoft-com:vml" Requires="v">
-                <p:oleObj spid="_x0000_s9249" name="Equation" r:id="rId3" imgW="1727200" imgH="495300" progId="Equation.DSMT4">
+                <p:oleObj spid="_x0000_s9254" name="Equation" r:id="rId3" imgW="1727200" imgH="495300" progId="Equation.DSMT4">
                   <p:embed/>
                 </p:oleObj>
               </mc:Choice>
@@ -5617,7 +5574,7 @@
           <a:graphicData uri="http://schemas.openxmlformats.org/presentationml/2006/ole">
             <mc:AlternateContent xmlns:mc="http://schemas.openxmlformats.org/markup-compatibility/2006">
               <mc:Choice xmlns:v="urn:schemas-microsoft-com:vml" Requires="v">
-                <p:oleObj spid="_x0000_s9250" name="Equation" r:id="rId5" imgW="1193800" imgH="393700" progId="Equation.DSMT4">
+                <p:oleObj spid="_x0000_s9255" name="Equation" r:id="rId5" imgW="1193800" imgH="393700" progId="Equation.DSMT4">
                   <p:embed/>
                 </p:oleObj>
               </mc:Choice>
@@ -5802,7 +5759,7 @@
           <a:graphicData uri="http://schemas.openxmlformats.org/presentationml/2006/ole">
             <mc:AlternateContent xmlns:mc="http://schemas.openxmlformats.org/markup-compatibility/2006">
               <mc:Choice xmlns:v="urn:schemas-microsoft-com:vml" Requires="v">
-                <p:oleObj spid="_x0000_s9251" name="Equation" r:id="rId7" imgW="3149600" imgH="469900" progId="Equation.DSMT4">
+                <p:oleObj spid="_x0000_s9256" name="Equation" r:id="rId7" imgW="3149600" imgH="469900" progId="Equation.DSMT4">
                   <p:embed/>
                 </p:oleObj>
               </mc:Choice>
@@ -5867,7 +5824,7 @@
           <a:graphicData uri="http://schemas.openxmlformats.org/presentationml/2006/ole">
             <mc:AlternateContent xmlns:mc="http://schemas.openxmlformats.org/markup-compatibility/2006">
               <mc:Choice xmlns:v="urn:schemas-microsoft-com:vml" Requires="v">
-                <p:oleObj spid="_x0000_s9252" name="Equation" r:id="rId9" imgW="2247900" imgH="495300" progId="Equation.DSMT4">
+                <p:oleObj spid="_x0000_s9257" name="Equation" r:id="rId9" imgW="2247900" imgH="495300" progId="Equation.DSMT4">
                   <p:embed/>
                 </p:oleObj>
               </mc:Choice>
@@ -6408,13 +6365,6 @@
               </a:rPr>
               <a:t>がない．</a:t>
             </a:r>
-            <a:r>
-              <a:rPr lang="ja-JP" altLang="en-US" dirty="0">
-                <a:latin typeface="Euclid"/>
-                <a:cs typeface="Euclid"/>
-              </a:rPr>
-              <a:t/>
-            </a:r>
             <a:br>
               <a:rPr lang="ja-JP" altLang="en-US" dirty="0">
                 <a:latin typeface="Euclid"/>
@@ -6507,7 +6457,7 @@
           <a:graphicData uri="http://schemas.openxmlformats.org/presentationml/2006/ole">
             <mc:AlternateContent xmlns:mc="http://schemas.openxmlformats.org/markup-compatibility/2006">
               <mc:Choice xmlns:v="urn:schemas-microsoft-com:vml" Requires="v">
-                <p:oleObj spid="_x0000_s10247" name="Equation" r:id="rId3" imgW="1866900" imgH="495300" progId="Equation.DSMT4">
+                <p:oleObj spid="_x0000_s10249" name="Equation" r:id="rId3" imgW="1866900" imgH="495300" progId="Equation.DSMT4">
                   <p:embed/>
                 </p:oleObj>
               </mc:Choice>
@@ -6798,7 +6748,47 @@
           <a:bodyPr/>
           <a:lstStyle/>
           <a:p>
-            <a:endParaRPr kumimoji="1" lang="ja-JP" altLang="en-US"/>
+            <a:r>
+              <a:rPr kumimoji="1" lang="ja-JP" altLang="en-US" dirty="0" smtClean="0"/>
+              <a:t>前回分とともに</a:t>
+            </a:r>
+            <a:r>
+              <a:rPr kumimoji="1" lang="en-US" altLang="ja-JP" dirty="0" smtClean="0"/>
+              <a:t> </a:t>
+            </a:r>
+            <a:r>
+              <a:rPr kumimoji="1" lang="ja-JP" altLang="en-US" dirty="0" smtClean="0"/>
+              <a:t/>
+            </a:r>
+            <a:br>
+              <a:rPr kumimoji="1" lang="ja-JP" altLang="en-US" dirty="0" smtClean="0"/>
+            </a:br>
+            <a:r>
+              <a:rPr lang="en-US" altLang="ja-JP" dirty="0">
+                <a:hlinkClick r:id="rId2"/>
+              </a:rPr>
+              <a:t>https://github.com/una1veritas/Students-</a:t>
+            </a:r>
+            <a:r>
+              <a:rPr lang="en-US" altLang="ja-JP" dirty="0" smtClean="0">
+                <a:hlinkClick r:id="rId2"/>
+              </a:rPr>
+              <a:t>Experiments</a:t>
+            </a:r>
+            <a:r>
+              <a:rPr lang="ja-JP" altLang="en-US" dirty="0"/>
+              <a:t/>
+            </a:r>
+            <a:br>
+              <a:rPr lang="ja-JP" altLang="en-US" dirty="0"/>
+            </a:br>
+            <a:r>
+              <a:rPr lang="ja-JP" altLang="en-US" dirty="0" smtClean="0"/>
+              <a:t>に置いてあります．</a:t>
+            </a:r>
+          </a:p>
+          <a:p>
+            <a:endParaRPr lang="en-US" altLang="ja-JP" dirty="0" smtClean="0"/>
           </a:p>
         </p:txBody>
       </p:sp>
@@ -8147,7 +8137,7 @@
           <a:graphicData uri="http://schemas.openxmlformats.org/presentationml/2006/ole">
             <mc:AlternateContent xmlns:mc="http://schemas.openxmlformats.org/markup-compatibility/2006">
               <mc:Choice xmlns:v="urn:schemas-microsoft-com:vml" Requires="v">
-                <p:oleObj spid="_x0000_s3092" name="Equation" r:id="rId3" imgW="2781300" imgH="596900" progId="Equation.DSMT4">
+                <p:oleObj spid="_x0000_s3094" name="Equation" r:id="rId3" imgW="2781300" imgH="596900" progId="Equation.DSMT4">
                   <p:embed/>
                 </p:oleObj>
               </mc:Choice>
@@ -8541,7 +8531,7 @@
           <a:graphicData uri="http://schemas.openxmlformats.org/presentationml/2006/ole">
             <mc:AlternateContent xmlns:mc="http://schemas.openxmlformats.org/markup-compatibility/2006">
               <mc:Choice xmlns:v="urn:schemas-microsoft-com:vml" Requires="v">
-                <p:oleObj spid="_x0000_s4139" name="Equation" r:id="rId3" imgW="1219200" imgH="203200" progId="Equation.DSMT4">
+                <p:oleObj spid="_x0000_s4142" name="Equation" r:id="rId3" imgW="1219200" imgH="203200" progId="Equation.DSMT4">
                   <p:embed/>
                 </p:oleObj>
               </mc:Choice>
@@ -8636,7 +8626,7 @@
           <a:graphicData uri="http://schemas.openxmlformats.org/presentationml/2006/ole">
             <mc:AlternateContent xmlns:mc="http://schemas.openxmlformats.org/markup-compatibility/2006">
               <mc:Choice xmlns:v="urn:schemas-microsoft-com:vml" Requires="v">
-                <p:oleObj spid="_x0000_s4140" name="Equation" r:id="rId5" imgW="1003300" imgH="203200" progId="Equation.DSMT4">
+                <p:oleObj spid="_x0000_s4143" name="Equation" r:id="rId5" imgW="1003300" imgH="203200" progId="Equation.DSMT4">
                   <p:embed/>
                 </p:oleObj>
               </mc:Choice>
@@ -8940,7 +8930,7 @@
           <a:graphicData uri="http://schemas.openxmlformats.org/presentationml/2006/ole">
             <mc:AlternateContent xmlns:mc="http://schemas.openxmlformats.org/markup-compatibility/2006">
               <mc:Choice xmlns:v="urn:schemas-microsoft-com:vml" Requires="v">
-                <p:oleObj spid="_x0000_s5177" name="Equation" r:id="rId3" imgW="1219200" imgH="203200" progId="Equation.DSMT4">
+                <p:oleObj spid="_x0000_s5181" name="Equation" r:id="rId3" imgW="1219200" imgH="203200" progId="Equation.DSMT4">
                   <p:embed/>
                 </p:oleObj>
               </mc:Choice>
@@ -9035,7 +9025,7 @@
           <a:graphicData uri="http://schemas.openxmlformats.org/presentationml/2006/ole">
             <mc:AlternateContent xmlns:mc="http://schemas.openxmlformats.org/markup-compatibility/2006">
               <mc:Choice xmlns:v="urn:schemas-microsoft-com:vml" Requires="v">
-                <p:oleObj spid="_x0000_s5178" name="Equation" r:id="rId5" imgW="1003300" imgH="203200" progId="Equation.DSMT4">
+                <p:oleObj spid="_x0000_s5182" name="Equation" r:id="rId5" imgW="1003300" imgH="203200" progId="Equation.DSMT4">
                   <p:embed/>
                 </p:oleObj>
               </mc:Choice>
@@ -9189,7 +9179,7 @@
           <a:graphicData uri="http://schemas.openxmlformats.org/presentationml/2006/ole">
             <mc:AlternateContent xmlns:mc="http://schemas.openxmlformats.org/markup-compatibility/2006">
               <mc:Choice xmlns:v="urn:schemas-microsoft-com:vml" Requires="v">
-                <p:oleObj spid="_x0000_s5179" name="Equation" r:id="rId7" imgW="3454400" imgH="749300" progId="Equation.DSMT4">
+                <p:oleObj spid="_x0000_s5183" name="Equation" r:id="rId7" imgW="3454400" imgH="749300" progId="Equation.DSMT4">
                   <p:embed/>
                 </p:oleObj>
               </mc:Choice>
@@ -9493,7 +9483,7 @@
           <a:graphicData uri="http://schemas.openxmlformats.org/presentationml/2006/ole">
             <mc:AlternateContent xmlns:mc="http://schemas.openxmlformats.org/markup-compatibility/2006">
               <mc:Choice xmlns:v="urn:schemas-microsoft-com:vml" Requires="v">
-                <p:oleObj spid="_x0000_s6188" name="Equation" r:id="rId3" imgW="1701800" imgH="558800" progId="Equation.DSMT4">
+                <p:oleObj spid="_x0000_s6191" name="Equation" r:id="rId3" imgW="1701800" imgH="558800" progId="Equation.DSMT4">
                   <p:embed/>
                 </p:oleObj>
               </mc:Choice>
@@ -9558,7 +9548,7 @@
           <a:graphicData uri="http://schemas.openxmlformats.org/presentationml/2006/ole">
             <mc:AlternateContent xmlns:mc="http://schemas.openxmlformats.org/markup-compatibility/2006">
               <mc:Choice xmlns:v="urn:schemas-microsoft-com:vml" Requires="v">
-                <p:oleObj spid="_x0000_s6189" name="数式" r:id="rId5" imgW="1206500" imgH="482600" progId="Equation.3">
+                <p:oleObj spid="_x0000_s6192" name="数式" r:id="rId5" imgW="1206500" imgH="482600" progId="Equation.3">
                   <p:embed/>
                 </p:oleObj>
               </mc:Choice>
@@ -9969,7 +9959,7 @@
           <a:graphicData uri="http://schemas.openxmlformats.org/presentationml/2006/ole">
             <mc:AlternateContent xmlns:mc="http://schemas.openxmlformats.org/markup-compatibility/2006">
               <mc:Choice xmlns:v="urn:schemas-microsoft-com:vml" Requires="v">
-                <p:oleObj spid="_x0000_s7223" name="Equation" r:id="rId3" imgW="1219200" imgH="203200" progId="Equation.DSMT4">
+                <p:oleObj spid="_x0000_s7227" name="Equation" r:id="rId3" imgW="1219200" imgH="203200" progId="Equation.DSMT4">
                   <p:embed/>
                 </p:oleObj>
               </mc:Choice>
@@ -10064,7 +10054,7 @@
           <a:graphicData uri="http://schemas.openxmlformats.org/presentationml/2006/ole">
             <mc:AlternateContent xmlns:mc="http://schemas.openxmlformats.org/markup-compatibility/2006">
               <mc:Choice xmlns:v="urn:schemas-microsoft-com:vml" Requires="v">
-                <p:oleObj spid="_x0000_s7224" name="Equation" r:id="rId5" imgW="1346200" imgH="241300" progId="Equation.DSMT4">
+                <p:oleObj spid="_x0000_s7228" name="Equation" r:id="rId5" imgW="1346200" imgH="241300" progId="Equation.DSMT4">
                   <p:embed/>
                 </p:oleObj>
               </mc:Choice>
@@ -10159,7 +10149,7 @@
           <a:graphicData uri="http://schemas.openxmlformats.org/presentationml/2006/ole">
             <mc:AlternateContent xmlns:mc="http://schemas.openxmlformats.org/markup-compatibility/2006">
               <mc:Choice xmlns:v="urn:schemas-microsoft-com:vml" Requires="v">
-                <p:oleObj spid="_x0000_s7225" name="Equation" r:id="rId7" imgW="1244600" imgH="520700" progId="Equation.DSMT4">
+                <p:oleObj spid="_x0000_s7229" name="Equation" r:id="rId7" imgW="1244600" imgH="520700" progId="Equation.DSMT4">
                   <p:embed/>
                 </p:oleObj>
               </mc:Choice>

--- a/測定とデータの扱い方_2.pptx
+++ b/測定とデータの扱い方_2.pptx
@@ -4584,7 +4584,7 @@
           <a:graphicData uri="http://schemas.openxmlformats.org/presentationml/2006/ole">
             <mc:AlternateContent xmlns:mc="http://schemas.openxmlformats.org/markup-compatibility/2006">
               <mc:Choice xmlns:v="urn:schemas-microsoft-com:vml" Requires="v">
-                <p:oleObj spid="_x0000_s1043" name="Equation" r:id="rId3" imgW="1054100" imgH="203200" progId="Equation.DSMT4">
+                <p:oleObj spid="_x0000_s1044" name="Equation" r:id="rId3" imgW="1054100" imgH="203200" progId="Equation.DSMT4">
                   <p:embed/>
                 </p:oleObj>
               </mc:Choice>
@@ -5034,7 +5034,7 @@
           <a:graphicData uri="http://schemas.openxmlformats.org/presentationml/2006/ole">
             <mc:AlternateContent xmlns:mc="http://schemas.openxmlformats.org/markup-compatibility/2006">
               <mc:Choice xmlns:v="urn:schemas-microsoft-com:vml" Requires="v">
-                <p:oleObj spid="_x0000_s8216" name="Equation" r:id="rId3" imgW="1270000" imgH="736600" progId="Equation.DSMT4">
+                <p:oleObj spid="_x0000_s8218" name="Equation" r:id="rId3" imgW="1270000" imgH="736600" progId="Equation.DSMT4">
                   <p:embed/>
                 </p:oleObj>
               </mc:Choice>
@@ -5129,7 +5129,7 @@
           <a:graphicData uri="http://schemas.openxmlformats.org/presentationml/2006/ole">
             <mc:AlternateContent xmlns:mc="http://schemas.openxmlformats.org/markup-compatibility/2006">
               <mc:Choice xmlns:v="urn:schemas-microsoft-com:vml" Requires="v">
-                <p:oleObj spid="_x0000_s8217" name="Equation" r:id="rId5" imgW="381000" imgH="495300" progId="Equation.DSMT4">
+                <p:oleObj spid="_x0000_s8219" name="Equation" r:id="rId5" imgW="381000" imgH="495300" progId="Equation.DSMT4">
                   <p:embed/>
                 </p:oleObj>
               </mc:Choice>
@@ -5479,7 +5479,7 @@
           <a:graphicData uri="http://schemas.openxmlformats.org/presentationml/2006/ole">
             <mc:AlternateContent xmlns:mc="http://schemas.openxmlformats.org/markup-compatibility/2006">
               <mc:Choice xmlns:v="urn:schemas-microsoft-com:vml" Requires="v">
-                <p:oleObj spid="_x0000_s9254" name="Equation" r:id="rId3" imgW="1727200" imgH="495300" progId="Equation.DSMT4">
+                <p:oleObj spid="_x0000_s9258" name="Equation" r:id="rId3" imgW="1727200" imgH="495300" progId="Equation.DSMT4">
                   <p:embed/>
                 </p:oleObj>
               </mc:Choice>
@@ -5574,7 +5574,7 @@
           <a:graphicData uri="http://schemas.openxmlformats.org/presentationml/2006/ole">
             <mc:AlternateContent xmlns:mc="http://schemas.openxmlformats.org/markup-compatibility/2006">
               <mc:Choice xmlns:v="urn:schemas-microsoft-com:vml" Requires="v">
-                <p:oleObj spid="_x0000_s9255" name="Equation" r:id="rId5" imgW="1193800" imgH="393700" progId="Equation.DSMT4">
+                <p:oleObj spid="_x0000_s9259" name="Equation" r:id="rId5" imgW="1193800" imgH="393700" progId="Equation.DSMT4">
                   <p:embed/>
                 </p:oleObj>
               </mc:Choice>
@@ -5759,7 +5759,7 @@
           <a:graphicData uri="http://schemas.openxmlformats.org/presentationml/2006/ole">
             <mc:AlternateContent xmlns:mc="http://schemas.openxmlformats.org/markup-compatibility/2006">
               <mc:Choice xmlns:v="urn:schemas-microsoft-com:vml" Requires="v">
-                <p:oleObj spid="_x0000_s9256" name="Equation" r:id="rId7" imgW="3149600" imgH="469900" progId="Equation.DSMT4">
+                <p:oleObj spid="_x0000_s9260" name="Equation" r:id="rId7" imgW="3149600" imgH="469900" progId="Equation.DSMT4">
                   <p:embed/>
                 </p:oleObj>
               </mc:Choice>
@@ -5824,7 +5824,7 @@
           <a:graphicData uri="http://schemas.openxmlformats.org/presentationml/2006/ole">
             <mc:AlternateContent xmlns:mc="http://schemas.openxmlformats.org/markup-compatibility/2006">
               <mc:Choice xmlns:v="urn:schemas-microsoft-com:vml" Requires="v">
-                <p:oleObj spid="_x0000_s9257" name="Equation" r:id="rId9" imgW="2247900" imgH="495300" progId="Equation.DSMT4">
+                <p:oleObj spid="_x0000_s9261" name="Equation" r:id="rId9" imgW="2247900" imgH="495300" progId="Equation.DSMT4">
                   <p:embed/>
                 </p:oleObj>
               </mc:Choice>
@@ -6457,7 +6457,7 @@
           <a:graphicData uri="http://schemas.openxmlformats.org/presentationml/2006/ole">
             <mc:AlternateContent xmlns:mc="http://schemas.openxmlformats.org/markup-compatibility/2006">
               <mc:Choice xmlns:v="urn:schemas-microsoft-com:vml" Requires="v">
-                <p:oleObj spid="_x0000_s10249" name="Equation" r:id="rId3" imgW="1866900" imgH="495300" progId="Equation.DSMT4">
+                <p:oleObj spid="_x0000_s10250" name="Equation" r:id="rId3" imgW="1866900" imgH="495300" progId="Equation.DSMT4">
                   <p:embed/>
                 </p:oleObj>
               </mc:Choice>
@@ -6792,6 +6792,30 @@
           </a:p>
         </p:txBody>
       </p:sp>
+      <p:pic>
+        <p:nvPicPr>
+          <p:cNvPr id="4" name="図 3"/>
+          <p:cNvPicPr>
+            <a:picLocks noChangeAspect="1"/>
+          </p:cNvPicPr>
+          <p:nvPr/>
+        </p:nvPicPr>
+        <p:blipFill>
+          <a:blip r:embed="rId3"/>
+          <a:stretch>
+            <a:fillRect/>
+          </a:stretch>
+        </p:blipFill>
+        <p:spPr>
+          <a:xfrm>
+            <a:off x="3019669" y="3146670"/>
+            <a:ext cx="3111500" cy="3111500"/>
+          </a:xfrm>
+          <a:prstGeom prst="rect">
+            <a:avLst/>
+          </a:prstGeom>
+        </p:spPr>
+      </p:pic>
     </p:spTree>
     <p:extLst>
       <p:ext uri="{BB962C8B-B14F-4D97-AF65-F5344CB8AC3E}">
@@ -8137,7 +8161,7 @@
           <a:graphicData uri="http://schemas.openxmlformats.org/presentationml/2006/ole">
             <mc:AlternateContent xmlns:mc="http://schemas.openxmlformats.org/markup-compatibility/2006">
               <mc:Choice xmlns:v="urn:schemas-microsoft-com:vml" Requires="v">
-                <p:oleObj spid="_x0000_s3094" name="Equation" r:id="rId3" imgW="2781300" imgH="596900" progId="Equation.DSMT4">
+                <p:oleObj spid="_x0000_s3095" name="Equation" r:id="rId3" imgW="2781300" imgH="596900" progId="Equation.DSMT4">
                   <p:embed/>
                 </p:oleObj>
               </mc:Choice>
@@ -8531,7 +8555,7 @@
           <a:graphicData uri="http://schemas.openxmlformats.org/presentationml/2006/ole">
             <mc:AlternateContent xmlns:mc="http://schemas.openxmlformats.org/markup-compatibility/2006">
               <mc:Choice xmlns:v="urn:schemas-microsoft-com:vml" Requires="v">
-                <p:oleObj spid="_x0000_s4142" name="Equation" r:id="rId3" imgW="1219200" imgH="203200" progId="Equation.DSMT4">
+                <p:oleObj spid="_x0000_s4144" name="Equation" r:id="rId3" imgW="1219200" imgH="203200" progId="Equation.DSMT4">
                   <p:embed/>
                 </p:oleObj>
               </mc:Choice>
@@ -8626,7 +8650,7 @@
           <a:graphicData uri="http://schemas.openxmlformats.org/presentationml/2006/ole">
             <mc:AlternateContent xmlns:mc="http://schemas.openxmlformats.org/markup-compatibility/2006">
               <mc:Choice xmlns:v="urn:schemas-microsoft-com:vml" Requires="v">
-                <p:oleObj spid="_x0000_s4143" name="Equation" r:id="rId5" imgW="1003300" imgH="203200" progId="Equation.DSMT4">
+                <p:oleObj spid="_x0000_s4145" name="Equation" r:id="rId5" imgW="1003300" imgH="203200" progId="Equation.DSMT4">
                   <p:embed/>
                 </p:oleObj>
               </mc:Choice>
@@ -8930,7 +8954,7 @@
           <a:graphicData uri="http://schemas.openxmlformats.org/presentationml/2006/ole">
             <mc:AlternateContent xmlns:mc="http://schemas.openxmlformats.org/markup-compatibility/2006">
               <mc:Choice xmlns:v="urn:schemas-microsoft-com:vml" Requires="v">
-                <p:oleObj spid="_x0000_s5181" name="Equation" r:id="rId3" imgW="1219200" imgH="203200" progId="Equation.DSMT4">
+                <p:oleObj spid="_x0000_s5184" name="Equation" r:id="rId3" imgW="1219200" imgH="203200" progId="Equation.DSMT4">
                   <p:embed/>
                 </p:oleObj>
               </mc:Choice>
@@ -9025,7 +9049,7 @@
           <a:graphicData uri="http://schemas.openxmlformats.org/presentationml/2006/ole">
             <mc:AlternateContent xmlns:mc="http://schemas.openxmlformats.org/markup-compatibility/2006">
               <mc:Choice xmlns:v="urn:schemas-microsoft-com:vml" Requires="v">
-                <p:oleObj spid="_x0000_s5182" name="Equation" r:id="rId5" imgW="1003300" imgH="203200" progId="Equation.DSMT4">
+                <p:oleObj spid="_x0000_s5185" name="Equation" r:id="rId5" imgW="1003300" imgH="203200" progId="Equation.DSMT4">
                   <p:embed/>
                 </p:oleObj>
               </mc:Choice>
@@ -9179,7 +9203,7 @@
           <a:graphicData uri="http://schemas.openxmlformats.org/presentationml/2006/ole">
             <mc:AlternateContent xmlns:mc="http://schemas.openxmlformats.org/markup-compatibility/2006">
               <mc:Choice xmlns:v="urn:schemas-microsoft-com:vml" Requires="v">
-                <p:oleObj spid="_x0000_s5183" name="Equation" r:id="rId7" imgW="3454400" imgH="749300" progId="Equation.DSMT4">
+                <p:oleObj spid="_x0000_s5186" name="Equation" r:id="rId7" imgW="3454400" imgH="749300" progId="Equation.DSMT4">
                   <p:embed/>
                 </p:oleObj>
               </mc:Choice>
@@ -9483,7 +9507,7 @@
           <a:graphicData uri="http://schemas.openxmlformats.org/presentationml/2006/ole">
             <mc:AlternateContent xmlns:mc="http://schemas.openxmlformats.org/markup-compatibility/2006">
               <mc:Choice xmlns:v="urn:schemas-microsoft-com:vml" Requires="v">
-                <p:oleObj spid="_x0000_s6191" name="Equation" r:id="rId3" imgW="1701800" imgH="558800" progId="Equation.DSMT4">
+                <p:oleObj spid="_x0000_s6193" name="Equation" r:id="rId3" imgW="1701800" imgH="558800" progId="Equation.DSMT4">
                   <p:embed/>
                 </p:oleObj>
               </mc:Choice>
@@ -9548,7 +9572,7 @@
           <a:graphicData uri="http://schemas.openxmlformats.org/presentationml/2006/ole">
             <mc:AlternateContent xmlns:mc="http://schemas.openxmlformats.org/markup-compatibility/2006">
               <mc:Choice xmlns:v="urn:schemas-microsoft-com:vml" Requires="v">
-                <p:oleObj spid="_x0000_s6192" name="数式" r:id="rId5" imgW="1206500" imgH="482600" progId="Equation.3">
+                <p:oleObj spid="_x0000_s6194" name="数式" r:id="rId5" imgW="1206500" imgH="482600" progId="Equation.3">
                   <p:embed/>
                 </p:oleObj>
               </mc:Choice>
@@ -9959,7 +9983,7 @@
           <a:graphicData uri="http://schemas.openxmlformats.org/presentationml/2006/ole">
             <mc:AlternateContent xmlns:mc="http://schemas.openxmlformats.org/markup-compatibility/2006">
               <mc:Choice xmlns:v="urn:schemas-microsoft-com:vml" Requires="v">
-                <p:oleObj spid="_x0000_s7227" name="Equation" r:id="rId3" imgW="1219200" imgH="203200" progId="Equation.DSMT4">
+                <p:oleObj spid="_x0000_s7230" name="Equation" r:id="rId3" imgW="1219200" imgH="203200" progId="Equation.DSMT4">
                   <p:embed/>
                 </p:oleObj>
               </mc:Choice>
@@ -10054,7 +10078,7 @@
           <a:graphicData uri="http://schemas.openxmlformats.org/presentationml/2006/ole">
             <mc:AlternateContent xmlns:mc="http://schemas.openxmlformats.org/markup-compatibility/2006">
               <mc:Choice xmlns:v="urn:schemas-microsoft-com:vml" Requires="v">
-                <p:oleObj spid="_x0000_s7228" name="Equation" r:id="rId5" imgW="1346200" imgH="241300" progId="Equation.DSMT4">
+                <p:oleObj spid="_x0000_s7231" name="Equation" r:id="rId5" imgW="1346200" imgH="241300" progId="Equation.DSMT4">
                   <p:embed/>
                 </p:oleObj>
               </mc:Choice>
@@ -10149,7 +10173,7 @@
           <a:graphicData uri="http://schemas.openxmlformats.org/presentationml/2006/ole">
             <mc:AlternateContent xmlns:mc="http://schemas.openxmlformats.org/markup-compatibility/2006">
               <mc:Choice xmlns:v="urn:schemas-microsoft-com:vml" Requires="v">
-                <p:oleObj spid="_x0000_s7229" name="Equation" r:id="rId7" imgW="1244600" imgH="520700" progId="Equation.DSMT4">
+                <p:oleObj spid="_x0000_s7232" name="Equation" r:id="rId7" imgW="1244600" imgH="520700" progId="Equation.DSMT4">
                   <p:embed/>
                 </p:oleObj>
               </mc:Choice>
